--- a/6_PPT/Add_shape.pptx
+++ b/6_PPT/Add_shape.pptx
@@ -3135,7 +3135,7 @@
         </p:nvSpPr>
         <p:spPr>
           <a:xfrm>
-            <a:off x="2834640" y="1828800"/>
+            <a:off x="2286000" y="1828800"/>
             <a:ext cx="1645920" cy="914400"/>
           </a:xfrm>
           <a:prstGeom prst="chevron">
@@ -3174,7 +3174,7 @@
         </p:nvSpPr>
         <p:spPr>
           <a:xfrm>
-            <a:off x="4754880" y="1828800"/>
+            <a:off x="3657600" y="1828800"/>
             <a:ext cx="1645920" cy="914400"/>
           </a:xfrm>
           <a:prstGeom prst="chevron">
@@ -3213,7 +3213,7 @@
         </p:nvSpPr>
         <p:spPr>
           <a:xfrm>
-            <a:off x="6675120" y="1828800"/>
+            <a:off x="5029200" y="1828800"/>
             <a:ext cx="1645920" cy="914400"/>
           </a:xfrm>
           <a:prstGeom prst="chevron">
@@ -3252,7 +3252,7 @@
         </p:nvSpPr>
         <p:spPr>
           <a:xfrm>
-            <a:off x="8595360" y="1828800"/>
+            <a:off x="6400800" y="1828800"/>
             <a:ext cx="1645920" cy="914400"/>
           </a:xfrm>
           <a:prstGeom prst="chevron">
